--- a/DS3/EU NAVEGAREI (GABRIELA ROCHA ).pptx
+++ b/DS3/EU NAVEGAREI (GABRIELA ROCHA ).pptx
@@ -22,6 +22,7 @@
     <p:sldId id="270" r:id="rId16"/>
     <p:sldId id="271" r:id="rId17"/>
     <p:sldId id="272" r:id="rId18"/>
+    <p:sldId id="273" r:id="rId19"/>
   </p:sldIdLst>
   <p:sldSz cx="12601575" cy="6858000"/>
   <p:notesSz cx="6858000" cy="9144000"/>
@@ -318,7 +319,7 @@
           <a:p>
             <a:fld id="{4805C96D-9F7B-42A8-A842-9B8A4E32B1E8}" type="datetimeFigureOut">
               <a:rPr lang="pt-BR" smtClean="0"/>
-              <a:t>10/01/2019</a:t>
+              <a:t>20/12/2023</a:t>
             </a:fld>
             <a:endParaRPr lang="pt-BR"/>
           </a:p>
@@ -486,7 +487,7 @@
           <a:p>
             <a:fld id="{4805C96D-9F7B-42A8-A842-9B8A4E32B1E8}" type="datetimeFigureOut">
               <a:rPr lang="pt-BR" smtClean="0"/>
-              <a:t>10/01/2019</a:t>
+              <a:t>20/12/2023</a:t>
             </a:fld>
             <a:endParaRPr lang="pt-BR"/>
           </a:p>
@@ -664,7 +665,7 @@
           <a:p>
             <a:fld id="{4805C96D-9F7B-42A8-A842-9B8A4E32B1E8}" type="datetimeFigureOut">
               <a:rPr lang="pt-BR" smtClean="0"/>
-              <a:t>10/01/2019</a:t>
+              <a:t>20/12/2023</a:t>
             </a:fld>
             <a:endParaRPr lang="pt-BR"/>
           </a:p>
@@ -832,7 +833,7 @@
           <a:p>
             <a:fld id="{4805C96D-9F7B-42A8-A842-9B8A4E32B1E8}" type="datetimeFigureOut">
               <a:rPr lang="pt-BR" smtClean="0"/>
-              <a:t>10/01/2019</a:t>
+              <a:t>20/12/2023</a:t>
             </a:fld>
             <a:endParaRPr lang="pt-BR"/>
           </a:p>
@@ -1077,7 +1078,7 @@
           <a:p>
             <a:fld id="{4805C96D-9F7B-42A8-A842-9B8A4E32B1E8}" type="datetimeFigureOut">
               <a:rPr lang="pt-BR" smtClean="0"/>
-              <a:t>10/01/2019</a:t>
+              <a:t>20/12/2023</a:t>
             </a:fld>
             <a:endParaRPr lang="pt-BR"/>
           </a:p>
@@ -1362,7 +1363,7 @@
           <a:p>
             <a:fld id="{4805C96D-9F7B-42A8-A842-9B8A4E32B1E8}" type="datetimeFigureOut">
               <a:rPr lang="pt-BR" smtClean="0"/>
-              <a:t>10/01/2019</a:t>
+              <a:t>20/12/2023</a:t>
             </a:fld>
             <a:endParaRPr lang="pt-BR"/>
           </a:p>
@@ -1781,7 +1782,7 @@
           <a:p>
             <a:fld id="{4805C96D-9F7B-42A8-A842-9B8A4E32B1E8}" type="datetimeFigureOut">
               <a:rPr lang="pt-BR" smtClean="0"/>
-              <a:t>10/01/2019</a:t>
+              <a:t>20/12/2023</a:t>
             </a:fld>
             <a:endParaRPr lang="pt-BR"/>
           </a:p>
@@ -1898,7 +1899,7 @@
           <a:p>
             <a:fld id="{4805C96D-9F7B-42A8-A842-9B8A4E32B1E8}" type="datetimeFigureOut">
               <a:rPr lang="pt-BR" smtClean="0"/>
-              <a:t>10/01/2019</a:t>
+              <a:t>20/12/2023</a:t>
             </a:fld>
             <a:endParaRPr lang="pt-BR"/>
           </a:p>
@@ -1993,7 +1994,7 @@
           <a:p>
             <a:fld id="{4805C96D-9F7B-42A8-A842-9B8A4E32B1E8}" type="datetimeFigureOut">
               <a:rPr lang="pt-BR" smtClean="0"/>
-              <a:t>10/01/2019</a:t>
+              <a:t>20/12/2023</a:t>
             </a:fld>
             <a:endParaRPr lang="pt-BR"/>
           </a:p>
@@ -2268,7 +2269,7 @@
           <a:p>
             <a:fld id="{4805C96D-9F7B-42A8-A842-9B8A4E32B1E8}" type="datetimeFigureOut">
               <a:rPr lang="pt-BR" smtClean="0"/>
-              <a:t>10/01/2019</a:t>
+              <a:t>20/12/2023</a:t>
             </a:fld>
             <a:endParaRPr lang="pt-BR"/>
           </a:p>
@@ -2520,7 +2521,7 @@
           <a:p>
             <a:fld id="{4805C96D-9F7B-42A8-A842-9B8A4E32B1E8}" type="datetimeFigureOut">
               <a:rPr lang="pt-BR" smtClean="0"/>
-              <a:t>10/01/2019</a:t>
+              <a:t>20/12/2023</a:t>
             </a:fld>
             <a:endParaRPr lang="pt-BR"/>
           </a:p>
@@ -2731,7 +2732,7 @@
           <a:p>
             <a:fld id="{4805C96D-9F7B-42A8-A842-9B8A4E32B1E8}" type="datetimeFigureOut">
               <a:rPr lang="pt-BR" smtClean="0"/>
-              <a:t>10/01/2019</a:t>
+              <a:t>20/12/2023</a:t>
             </a:fld>
             <a:endParaRPr lang="pt-BR"/>
           </a:p>
@@ -3922,6 +3923,84 @@
 </p:sld>
 </file>
 
+<file path=ppt/slides/slide18.xml><?xml version="1.0" encoding="utf-8"?>
+<p:sld xmlns:a="http://schemas.openxmlformats.org/drawingml/2006/main" xmlns:r="http://schemas.openxmlformats.org/officeDocument/2006/relationships" xmlns:p="http://schemas.openxmlformats.org/presentationml/2006/main">
+  <p:cSld>
+    <p:spTree>
+      <p:nvGrpSpPr>
+        <p:cNvPr id="1" name=""/>
+        <p:cNvGrpSpPr/>
+        <p:nvPr/>
+      </p:nvGrpSpPr>
+      <p:grpSpPr>
+        <a:xfrm>
+          <a:off x="0" y="0"/>
+          <a:ext cx="0" cy="0"/>
+          <a:chOff x="0" y="0"/>
+          <a:chExt cx="0" cy="0"/>
+        </a:xfrm>
+      </p:grpSpPr>
+      <p:sp>
+        <p:nvSpPr>
+          <p:cNvPr id="2" name="Título 1">
+            <a:extLst>
+              <a:ext uri="{FF2B5EF4-FFF2-40B4-BE49-F238E27FC236}">
+                <a16:creationId xmlns:a16="http://schemas.microsoft.com/office/drawing/2014/main" id="{5D6C8485-4971-E560-3D7F-A752A8386DB9}"/>
+              </a:ext>
+            </a:extLst>
+          </p:cNvPr>
+          <p:cNvSpPr>
+            <a:spLocks noGrp="1"/>
+          </p:cNvSpPr>
+          <p:nvPr>
+            <p:ph type="title"/>
+          </p:nvPr>
+        </p:nvSpPr>
+        <p:spPr>
+          <a:xfrm>
+            <a:off x="117060" y="-387424"/>
+            <a:ext cx="12367454" cy="7762874"/>
+          </a:xfrm>
+        </p:spPr>
+        <p:txBody>
+          <a:bodyPr>
+            <a:normAutofit/>
+          </a:bodyPr>
+          <a:lstStyle/>
+          <a:p>
+            <a:r>
+              <a:rPr lang="pt-BR" sz="6600" dirty="0">
+                <a:latin typeface="Arial Black" panose="020B0A04020102020204" pitchFamily="34" charset="0"/>
+              </a:rPr>
+              <a:t>ESPIRITO DE DEUS</a:t>
+            </a:r>
+            <a:br>
+              <a:rPr lang="pt-BR" sz="6600" dirty="0">
+                <a:latin typeface="Arial Black" panose="020B0A04020102020204" pitchFamily="34" charset="0"/>
+              </a:rPr>
+            </a:br>
+            <a:r>
+              <a:rPr lang="pt-BR" sz="6600" dirty="0">
+                <a:latin typeface="Arial Black" panose="020B0A04020102020204" pitchFamily="34" charset="0"/>
+              </a:rPr>
+              <a:t>ESPIRITO DE DEUS</a:t>
+            </a:r>
+          </a:p>
+        </p:txBody>
+      </p:sp>
+    </p:spTree>
+    <p:extLst>
+      <p:ext uri="{BB962C8B-B14F-4D97-AF65-F5344CB8AC3E}">
+        <p14:creationId xmlns:p14="http://schemas.microsoft.com/office/powerpoint/2010/main" val="317079202"/>
+      </p:ext>
+    </p:extLst>
+  </p:cSld>
+  <p:clrMapOvr>
+    <a:masterClrMapping/>
+  </p:clrMapOvr>
+</p:sld>
+</file>
+
 <file path=ppt/slides/slide2.xml><?xml version="1.0" encoding="utf-8"?>
 <p:sld xmlns:a="http://schemas.openxmlformats.org/drawingml/2006/main" xmlns:r="http://schemas.openxmlformats.org/officeDocument/2006/relationships" xmlns:p="http://schemas.openxmlformats.org/presentationml/2006/main">
   <p:cSld>
